--- a/videoppt.pptx
+++ b/videoppt.pptx
@@ -202,7 +202,7 @@
           <a:p>
             <a:fld id="{C8EA7B9A-CDDC-4D48-8255-DE48EBEAFD7E}" type="datetimeFigureOut">
               <a:rPr lang="en-CA" smtClean="0"/>
-              <a:t>2022-01-16</a:t>
+              <a:t>2022-01-17</a:t>
             </a:fld>
             <a:endParaRPr lang="en-CA"/>
           </a:p>
@@ -695,9 +695,6 @@
           <a:bodyPr/>
           <a:lstStyle/>
           <a:p>
-            <a:endParaRPr lang="en-US" dirty="0"/>
-          </a:p>
-          <a:p>
             <a:r>
               <a:rPr lang="en-US" dirty="0"/>
               <a:t>The goal of the project was to design an interactive visualization web-based platform. First, it must provide a visual comparison of student diversity in different academic categories. Second, it must show the missing data to bring awareness to the need for universities to collect important demographic information.</a:t>
@@ -1234,7 +1231,7 @@
           <a:p>
             <a:fld id="{3D86513C-6087-4CF3-A17A-DEC63D624A40}" type="datetimeFigureOut">
               <a:rPr lang="en-CA" smtClean="0"/>
-              <a:t>2022-01-16</a:t>
+              <a:t>2022-01-17</a:t>
             </a:fld>
             <a:endParaRPr lang="en-CA"/>
           </a:p>
@@ -1434,7 +1431,7 @@
           <a:p>
             <a:fld id="{3D86513C-6087-4CF3-A17A-DEC63D624A40}" type="datetimeFigureOut">
               <a:rPr lang="en-CA" smtClean="0"/>
-              <a:t>2022-01-16</a:t>
+              <a:t>2022-01-17</a:t>
             </a:fld>
             <a:endParaRPr lang="en-CA"/>
           </a:p>
@@ -1644,7 +1641,7 @@
           <a:p>
             <a:fld id="{3D86513C-6087-4CF3-A17A-DEC63D624A40}" type="datetimeFigureOut">
               <a:rPr lang="en-CA" smtClean="0"/>
-              <a:t>2022-01-16</a:t>
+              <a:t>2022-01-17</a:t>
             </a:fld>
             <a:endParaRPr lang="en-CA"/>
           </a:p>
@@ -1844,7 +1841,7 @@
           <a:p>
             <a:fld id="{3D86513C-6087-4CF3-A17A-DEC63D624A40}" type="datetimeFigureOut">
               <a:rPr lang="en-CA" smtClean="0"/>
-              <a:t>2022-01-16</a:t>
+              <a:t>2022-01-17</a:t>
             </a:fld>
             <a:endParaRPr lang="en-CA"/>
           </a:p>
@@ -2120,7 +2117,7 @@
           <a:p>
             <a:fld id="{3D86513C-6087-4CF3-A17A-DEC63D624A40}" type="datetimeFigureOut">
               <a:rPr lang="en-CA" smtClean="0"/>
-              <a:t>2022-01-16</a:t>
+              <a:t>2022-01-17</a:t>
             </a:fld>
             <a:endParaRPr lang="en-CA"/>
           </a:p>
@@ -2388,7 +2385,7 @@
           <a:p>
             <a:fld id="{3D86513C-6087-4CF3-A17A-DEC63D624A40}" type="datetimeFigureOut">
               <a:rPr lang="en-CA" smtClean="0"/>
-              <a:t>2022-01-16</a:t>
+              <a:t>2022-01-17</a:t>
             </a:fld>
             <a:endParaRPr lang="en-CA"/>
           </a:p>
@@ -2803,7 +2800,7 @@
           <a:p>
             <a:fld id="{3D86513C-6087-4CF3-A17A-DEC63D624A40}" type="datetimeFigureOut">
               <a:rPr lang="en-CA" smtClean="0"/>
-              <a:t>2022-01-16</a:t>
+              <a:t>2022-01-17</a:t>
             </a:fld>
             <a:endParaRPr lang="en-CA"/>
           </a:p>
@@ -2945,7 +2942,7 @@
           <a:p>
             <a:fld id="{3D86513C-6087-4CF3-A17A-DEC63D624A40}" type="datetimeFigureOut">
               <a:rPr lang="en-CA" smtClean="0"/>
-              <a:t>2022-01-16</a:t>
+              <a:t>2022-01-17</a:t>
             </a:fld>
             <a:endParaRPr lang="en-CA"/>
           </a:p>
@@ -3058,7 +3055,7 @@
           <a:p>
             <a:fld id="{3D86513C-6087-4CF3-A17A-DEC63D624A40}" type="datetimeFigureOut">
               <a:rPr lang="en-CA" smtClean="0"/>
-              <a:t>2022-01-16</a:t>
+              <a:t>2022-01-17</a:t>
             </a:fld>
             <a:endParaRPr lang="en-CA"/>
           </a:p>
@@ -3371,7 +3368,7 @@
           <a:p>
             <a:fld id="{3D86513C-6087-4CF3-A17A-DEC63D624A40}" type="datetimeFigureOut">
               <a:rPr lang="en-CA" smtClean="0"/>
-              <a:t>2022-01-16</a:t>
+              <a:t>2022-01-17</a:t>
             </a:fld>
             <a:endParaRPr lang="en-CA"/>
           </a:p>
@@ -3660,7 +3657,7 @@
           <a:p>
             <a:fld id="{3D86513C-6087-4CF3-A17A-DEC63D624A40}" type="datetimeFigureOut">
               <a:rPr lang="en-CA" smtClean="0"/>
-              <a:t>2022-01-16</a:t>
+              <a:t>2022-01-17</a:t>
             </a:fld>
             <a:endParaRPr lang="en-CA"/>
           </a:p>
@@ -3903,7 +3900,7 @@
           <a:p>
             <a:fld id="{3D86513C-6087-4CF3-A17A-DEC63D624A40}" type="datetimeFigureOut">
               <a:rPr lang="en-CA" smtClean="0"/>
-              <a:t>2022-01-16</a:t>
+              <a:t>2022-01-17</a:t>
             </a:fld>
             <a:endParaRPr lang="en-CA"/>
           </a:p>
@@ -7903,7 +7900,7 @@
           <p:nvPr/>
         </p:nvPicPr>
         <p:blipFill rotWithShape="1">
-          <a:blip r:embed="rId4"/>
+          <a:blip r:embed="rId6"/>
           <a:srcRect l="12298" r="28168" b="-1"/>
           <a:stretch/>
         </p:blipFill>
@@ -8371,7 +8368,7 @@
             <p:nvPr/>
           </p:nvPicPr>
           <p:blipFill>
-            <a:blip r:embed="rId5"/>
+            <a:blip r:embed="rId7"/>
             <a:stretch>
               <a:fillRect/>
             </a:stretch>
@@ -8401,7 +8398,7 @@
             <p:nvPr/>
           </p:nvPicPr>
           <p:blipFill>
-            <a:blip r:embed="rId6"/>
+            <a:blip r:embed="rId8"/>
             <a:stretch>
               <a:fillRect/>
             </a:stretch>
@@ -8432,7 +8429,7 @@
           <p:nvPr/>
         </p:nvPicPr>
         <p:blipFill>
-          <a:blip r:embed="rId7"/>
+          <a:blip r:embed="rId9"/>
           <a:stretch>
             <a:fillRect/>
           </a:stretch>
@@ -8441,6 +8438,44 @@
           <a:xfrm>
             <a:off x="62610" y="997427"/>
             <a:ext cx="12129390" cy="6016129"/>
+          </a:xfrm>
+          <a:prstGeom prst="rect">
+            <a:avLst/>
+          </a:prstGeom>
+        </p:spPr>
+      </p:pic>
+      <p:pic>
+        <p:nvPicPr>
+          <p:cNvPr id="11" name="Audio 10">
+            <a:hlinkClick r:id="" action="ppaction://media"/>
+            <a:extLst>
+              <a:ext uri="{FF2B5EF4-FFF2-40B4-BE49-F238E27FC236}">
+                <a16:creationId xmlns:a16="http://schemas.microsoft.com/office/drawing/2014/main" id="{9954160A-95A6-433B-806E-248DF7E57298}"/>
+              </a:ext>
+            </a:extLst>
+          </p:cNvPr>
+          <p:cNvPicPr>
+            <a:picLocks noChangeAspect="1"/>
+          </p:cNvPicPr>
+          <p:nvPr>
+            <a:audioFile r:link="rId3"/>
+            <p:extLst>
+              <p:ext uri="{DAA4B4D4-6D71-4841-9C94-3DE7FCFB9230}">
+                <p14:media xmlns:p14="http://schemas.microsoft.com/office/powerpoint/2010/main" r:embed="rId2"/>
+              </p:ext>
+            </p:extLst>
+          </p:nvPr>
+        </p:nvPicPr>
+        <p:blipFill>
+          <a:blip r:embed="rId10"/>
+          <a:stretch>
+            <a:fillRect/>
+          </a:stretch>
+        </p:blipFill>
+        <p:spPr>
+          <a:xfrm>
+            <a:off x="11366500" y="6032500"/>
+            <a:ext cx="609600" cy="609600"/>
           </a:xfrm>
           <a:prstGeom prst="rect">
             <a:avLst/>
@@ -8460,6 +8495,14 @@
   <p:clrMapOvr>
     <a:masterClrMapping/>
   </p:clrMapOvr>
+  <mc:AlternateContent xmlns:mc="http://schemas.openxmlformats.org/markup-compatibility/2006">
+    <mc:Choice xmlns:p14="http://schemas.microsoft.com/office/powerpoint/2010/main" Requires="p14">
+      <p:transition spd="slow" p14:dur="2000" advTm="41430"/>
+    </mc:Choice>
+    <mc:Fallback>
+      <p:transition spd="slow" advTm="41430"/>
+    </mc:Fallback>
+  </mc:AlternateContent>
   <p:timing>
     <p:tnLst>
       <p:par>
@@ -8472,6 +8515,9 @@
                     <p:cTn id="3" fill="hold">
                       <p:stCondLst>
                         <p:cond delay="indefinite"/>
+                        <p:cond evt="onBegin" delay="0">
+                          <p:tn val="2"/>
+                        </p:cond>
                       </p:stCondLst>
                       <p:childTnLst>
                         <p:par>
@@ -8481,14 +8527,49 @@
                             </p:stCondLst>
                             <p:childTnLst>
                               <p:par>
-                                <p:cTn id="5" presetID="22" presetClass="entr" presetSubtype="4" fill="hold" grpId="0" nodeType="clickEffect">
+                                <p:cTn id="5" presetID="1" presetClass="mediacall" presetSubtype="0" fill="hold" nodeType="afterEffect">
+                                  <p:stCondLst>
+                                    <p:cond delay="0"/>
+                                  </p:stCondLst>
+                                  <p:childTnLst>
+                                    <p:cmd type="call" cmd="playFrom(0.0)">
+                                      <p:cBhvr>
+                                        <p:cTn id="6" dur="1" fill="hold"/>
+                                        <p:tgtEl>
+                                          <p:spTgt spid="11"/>
+                                        </p:tgtEl>
+                                      </p:cBhvr>
+                                    </p:cmd>
+                                  </p:childTnLst>
+                                </p:cTn>
+                              </p:par>
+                            </p:childTnLst>
+                          </p:cTn>
+                        </p:par>
+                      </p:childTnLst>
+                    </p:cTn>
+                  </p:par>
+                  <p:par>
+                    <p:cTn id="7" fill="hold">
+                      <p:stCondLst>
+                        <p:cond delay="indefinite"/>
+                      </p:stCondLst>
+                      <p:childTnLst>
+                        <p:par>
+                          <p:cTn id="8" fill="hold">
+                            <p:stCondLst>
+                              <p:cond delay="0"/>
+                            </p:stCondLst>
+                            <p:childTnLst>
+                              <p:par>
+                                <p:cTn id="9" presetID="22" presetClass="entr" presetSubtype="4" fill="hold" grpId="0" nodeType="clickEffect">
                                   <p:stCondLst>
                                     <p:cond delay="0"/>
                                   </p:stCondLst>
                                   <p:childTnLst>
                                     <p:set>
                                       <p:cBhvr>
-                                        <p:cTn id="6" dur="1" fill="hold">
+                                        <p:cTn id="10" dur="1" fill="hold">
                                           <p:stCondLst>
                                             <p:cond delay="0"/>
                                           </p:stCondLst>
@@ -8510,7 +8591,7 @@
                                     </p:set>
                                     <p:animEffect transition="in" filter="wipe(down)">
                                       <p:cBhvr>
-                                        <p:cTn id="7" dur="500"/>
+                                        <p:cTn id="11" dur="500"/>
                                         <p:tgtEl>
                                           <p:spTgt spid="3">
                                             <p:txEl>
@@ -8530,26 +8611,26 @@
                     </p:cTn>
                   </p:par>
                   <p:par>
-                    <p:cTn id="8" fill="hold">
+                    <p:cTn id="12" fill="hold">
                       <p:stCondLst>
                         <p:cond delay="indefinite"/>
                       </p:stCondLst>
                       <p:childTnLst>
                         <p:par>
-                          <p:cTn id="9" fill="hold">
+                          <p:cTn id="13" fill="hold">
                             <p:stCondLst>
                               <p:cond delay="0"/>
                             </p:stCondLst>
                             <p:childTnLst>
                               <p:par>
-                                <p:cTn id="10" presetID="10" presetClass="entr" presetSubtype="0" fill="hold" nodeType="clickEffect">
+                                <p:cTn id="14" presetID="10" presetClass="entr" presetSubtype="0" fill="hold" nodeType="clickEffect">
                                   <p:stCondLst>
                                     <p:cond delay="0"/>
                                   </p:stCondLst>
                                   <p:childTnLst>
                                     <p:set>
                                       <p:cBhvr>
-                                        <p:cTn id="11" dur="1" fill="hold">
+                                        <p:cTn id="15" dur="1" fill="hold">
                                           <p:stCondLst>
                                             <p:cond delay="0"/>
                                           </p:stCondLst>
@@ -8567,7 +8648,7 @@
                                     </p:set>
                                     <p:animEffect transition="in" filter="fade">
                                       <p:cBhvr>
-                                        <p:cTn id="12" dur="500"/>
+                                        <p:cTn id="16" dur="500"/>
                                         <p:tgtEl>
                                           <p:spTgt spid="8"/>
                                         </p:tgtEl>
@@ -8583,26 +8664,26 @@
                     </p:cTn>
                   </p:par>
                   <p:par>
-                    <p:cTn id="13" fill="hold">
+                    <p:cTn id="17" fill="hold">
                       <p:stCondLst>
                         <p:cond delay="indefinite"/>
                       </p:stCondLst>
                       <p:childTnLst>
                         <p:par>
-                          <p:cTn id="14" fill="hold">
+                          <p:cTn id="18" fill="hold">
                             <p:stCondLst>
                               <p:cond delay="0"/>
                             </p:stCondLst>
                             <p:childTnLst>
                               <p:par>
-                                <p:cTn id="15" presetID="10" presetClass="exit" presetSubtype="0" fill="hold" nodeType="clickEffect">
+                                <p:cTn id="19" presetID="10" presetClass="exit" presetSubtype="0" fill="hold" nodeType="clickEffect">
                                   <p:stCondLst>
                                     <p:cond delay="0"/>
                                   </p:stCondLst>
                                   <p:childTnLst>
                                     <p:animEffect transition="out" filter="fade">
                                       <p:cBhvr>
-                                        <p:cTn id="16" dur="500"/>
+                                        <p:cTn id="20" dur="500"/>
                                         <p:tgtEl>
                                           <p:spTgt spid="8"/>
                                         </p:tgtEl>
@@ -8610,7 +8691,7 @@
                                     </p:animEffect>
                                     <p:set>
                                       <p:cBhvr>
-                                        <p:cTn id="17" dur="1" fill="hold">
+                                        <p:cTn id="21" dur="1" fill="hold">
                                           <p:stCondLst>
                                             <p:cond delay="499"/>
                                           </p:stCondLst>
@@ -8636,26 +8717,26 @@
                     </p:cTn>
                   </p:par>
                   <p:par>
-                    <p:cTn id="18" fill="hold">
+                    <p:cTn id="22" fill="hold">
                       <p:stCondLst>
                         <p:cond delay="indefinite"/>
                       </p:stCondLst>
                       <p:childTnLst>
                         <p:par>
-                          <p:cTn id="19" fill="hold">
+                          <p:cTn id="23" fill="hold">
                             <p:stCondLst>
                               <p:cond delay="0"/>
                             </p:stCondLst>
                             <p:childTnLst>
                               <p:par>
-                                <p:cTn id="20" presetID="22" presetClass="entr" presetSubtype="4" fill="hold" grpId="0" nodeType="clickEffect">
+                                <p:cTn id="24" presetID="22" presetClass="entr" presetSubtype="4" fill="hold" grpId="0" nodeType="clickEffect">
                                   <p:stCondLst>
                                     <p:cond delay="0"/>
                                   </p:stCondLst>
                                   <p:childTnLst>
                                     <p:set>
                                       <p:cBhvr>
-                                        <p:cTn id="21" dur="1" fill="hold">
+                                        <p:cTn id="25" dur="1" fill="hold">
                                           <p:stCondLst>
                                             <p:cond delay="0"/>
                                           </p:stCondLst>
@@ -8677,7 +8758,7 @@
                                     </p:set>
                                     <p:animEffect transition="in" filter="wipe(down)">
                                       <p:cBhvr>
-                                        <p:cTn id="22" dur="500"/>
+                                        <p:cTn id="26" dur="500"/>
                                         <p:tgtEl>
                                           <p:spTgt spid="3">
                                             <p:txEl>
@@ -8697,26 +8778,26 @@
                     </p:cTn>
                   </p:par>
                   <p:par>
-                    <p:cTn id="23" fill="hold">
+                    <p:cTn id="27" fill="hold">
                       <p:stCondLst>
                         <p:cond delay="indefinite"/>
                       </p:stCondLst>
                       <p:childTnLst>
                         <p:par>
-                          <p:cTn id="24" fill="hold">
+                          <p:cTn id="28" fill="hold">
                             <p:stCondLst>
                               <p:cond delay="0"/>
                             </p:stCondLst>
                             <p:childTnLst>
                               <p:par>
-                                <p:cTn id="25" presetID="10" presetClass="entr" presetSubtype="0" fill="hold" nodeType="clickEffect">
+                                <p:cTn id="29" presetID="10" presetClass="entr" presetSubtype="0" fill="hold" nodeType="clickEffect">
                                   <p:stCondLst>
                                     <p:cond delay="0"/>
                                   </p:stCondLst>
                                   <p:childTnLst>
                                     <p:set>
                                       <p:cBhvr>
-                                        <p:cTn id="26" dur="1" fill="hold">
+                                        <p:cTn id="30" dur="1" fill="hold">
                                           <p:stCondLst>
                                             <p:cond delay="0"/>
                                           </p:stCondLst>
@@ -8734,7 +8815,7 @@
                                     </p:set>
                                     <p:animEffect transition="in" filter="fade">
                                       <p:cBhvr>
-                                        <p:cTn id="27" dur="500"/>
+                                        <p:cTn id="31" dur="500"/>
                                         <p:tgtEl>
                                           <p:spTgt spid="10"/>
                                         </p:tgtEl>
@@ -8750,26 +8831,26 @@
                     </p:cTn>
                   </p:par>
                   <p:par>
-                    <p:cTn id="28" fill="hold">
+                    <p:cTn id="32" fill="hold">
                       <p:stCondLst>
                         <p:cond delay="indefinite"/>
                       </p:stCondLst>
                       <p:childTnLst>
                         <p:par>
-                          <p:cTn id="29" fill="hold">
+                          <p:cTn id="33" fill="hold">
                             <p:stCondLst>
                               <p:cond delay="0"/>
                             </p:stCondLst>
                             <p:childTnLst>
                               <p:par>
-                                <p:cTn id="30" presetID="10" presetClass="exit" presetSubtype="0" fill="hold" nodeType="clickEffect">
+                                <p:cTn id="34" presetID="10" presetClass="exit" presetSubtype="0" fill="hold" nodeType="clickEffect">
                                   <p:stCondLst>
                                     <p:cond delay="0"/>
                                   </p:stCondLst>
                                   <p:childTnLst>
                                     <p:animEffect transition="out" filter="fade">
                                       <p:cBhvr>
-                                        <p:cTn id="31" dur="500"/>
+                                        <p:cTn id="35" dur="500"/>
                                         <p:tgtEl>
                                           <p:spTgt spid="10"/>
                                         </p:tgtEl>
@@ -8777,7 +8858,7 @@
                                     </p:animEffect>
                                     <p:set>
                                       <p:cBhvr>
-                                        <p:cTn id="32" dur="1" fill="hold">
+                                        <p:cTn id="36" dur="1" fill="hold">
                                           <p:stCondLst>
                                             <p:cond delay="499"/>
                                           </p:stCondLst>
@@ -8803,26 +8884,26 @@
                     </p:cTn>
                   </p:par>
                   <p:par>
-                    <p:cTn id="33" fill="hold">
+                    <p:cTn id="37" fill="hold">
                       <p:stCondLst>
                         <p:cond delay="indefinite"/>
                       </p:stCondLst>
                       <p:childTnLst>
                         <p:par>
-                          <p:cTn id="34" fill="hold">
+                          <p:cTn id="38" fill="hold">
                             <p:stCondLst>
                               <p:cond delay="0"/>
                             </p:stCondLst>
                             <p:childTnLst>
                               <p:par>
-                                <p:cTn id="35" presetID="22" presetClass="entr" presetSubtype="4" fill="hold" grpId="0" nodeType="clickEffect">
+                                <p:cTn id="39" presetID="22" presetClass="entr" presetSubtype="4" fill="hold" grpId="0" nodeType="clickEffect">
                                   <p:stCondLst>
                                     <p:cond delay="0"/>
                                   </p:stCondLst>
                                   <p:childTnLst>
                                     <p:set>
                                       <p:cBhvr>
-                                        <p:cTn id="36" dur="1" fill="hold">
+                                        <p:cTn id="40" dur="1" fill="hold">
                                           <p:stCondLst>
                                             <p:cond delay="0"/>
                                           </p:stCondLst>
@@ -8844,7 +8925,7 @@
                                     </p:set>
                                     <p:animEffect transition="in" filter="wipe(down)">
                                       <p:cBhvr>
-                                        <p:cTn id="37" dur="500"/>
+                                        <p:cTn id="41" dur="500"/>
                                         <p:tgtEl>
                                           <p:spTgt spid="3">
                                             <p:txEl>
@@ -8864,26 +8945,26 @@
                     </p:cTn>
                   </p:par>
                   <p:par>
-                    <p:cTn id="38" fill="hold">
+                    <p:cTn id="42" fill="hold">
                       <p:stCondLst>
                         <p:cond delay="indefinite"/>
                       </p:stCondLst>
                       <p:childTnLst>
                         <p:par>
-                          <p:cTn id="39" fill="hold">
+                          <p:cTn id="43" fill="hold">
                             <p:stCondLst>
                               <p:cond delay="0"/>
                             </p:stCondLst>
                             <p:childTnLst>
                               <p:par>
-                                <p:cTn id="40" presetID="22" presetClass="entr" presetSubtype="4" fill="hold" grpId="0" nodeType="clickEffect">
+                                <p:cTn id="44" presetID="22" presetClass="entr" presetSubtype="4" fill="hold" grpId="0" nodeType="clickEffect">
                                   <p:stCondLst>
                                     <p:cond delay="0"/>
                                   </p:stCondLst>
                                   <p:childTnLst>
                                     <p:set>
                                       <p:cBhvr>
-                                        <p:cTn id="41" dur="1" fill="hold">
+                                        <p:cTn id="45" dur="1" fill="hold">
                                           <p:stCondLst>
                                             <p:cond delay="0"/>
                                           </p:stCondLst>
@@ -8905,7 +8986,7 @@
                                     </p:set>
                                     <p:animEffect transition="in" filter="wipe(down)">
                                       <p:cBhvr>
-                                        <p:cTn id="42" dur="500"/>
+                                        <p:cTn id="46" dur="500"/>
                                         <p:tgtEl>
                                           <p:spTgt spid="3">
                                             <p:txEl>
@@ -8925,26 +9006,26 @@
                     </p:cTn>
                   </p:par>
                   <p:par>
-                    <p:cTn id="43" fill="hold">
+                    <p:cTn id="47" fill="hold">
                       <p:stCondLst>
                         <p:cond delay="indefinite"/>
                       </p:stCondLst>
                       <p:childTnLst>
                         <p:par>
-                          <p:cTn id="44" fill="hold">
+                          <p:cTn id="48" fill="hold">
                             <p:stCondLst>
                               <p:cond delay="0"/>
                             </p:stCondLst>
                             <p:childTnLst>
                               <p:par>
-                                <p:cTn id="45" presetID="22" presetClass="entr" presetSubtype="4" fill="hold" grpId="0" nodeType="clickEffect">
+                                <p:cTn id="49" presetID="22" presetClass="entr" presetSubtype="4" fill="hold" grpId="0" nodeType="clickEffect">
                                   <p:stCondLst>
                                     <p:cond delay="0"/>
                                   </p:stCondLst>
                                   <p:childTnLst>
                                     <p:set>
                                       <p:cBhvr>
-                                        <p:cTn id="46" dur="1" fill="hold">
+                                        <p:cTn id="50" dur="1" fill="hold">
                                           <p:stCondLst>
                                             <p:cond delay="0"/>
                                           </p:stCondLst>
@@ -8966,7 +9047,7 @@
                                     </p:set>
                                     <p:animEffect transition="in" filter="wipe(down)">
                                       <p:cBhvr>
-                                        <p:cTn id="47" dur="500"/>
+                                        <p:cTn id="51" dur="500"/>
                                         <p:tgtEl>
                                           <p:spTgt spid="3">
                                             <p:txEl>
@@ -9002,6 +9083,25 @@
                 </p:cond>
               </p:nextCondLst>
             </p:seq>
+            <p:audio isNarration="1">
+              <p:cMediaNode vol="80000" showWhenStopped="0">
+                <p:cTn id="52" fill="hold" display="0">
+                  <p:stCondLst>
+                    <p:cond delay="indefinite"/>
+                  </p:stCondLst>
+                  <p:endCondLst>
+                    <p:cond evt="onStopAudio" delay="0">
+                      <p:tgtEl>
+                        <p:sldTgt/>
+                      </p:tgtEl>
+                    </p:cond>
+                  </p:endCondLst>
+                </p:cTn>
+                <p:tgtEl>
+                  <p:spTgt spid="11"/>
+                </p:tgtEl>
+              </p:cMediaNode>
+            </p:audio>
           </p:childTnLst>
         </p:cTn>
       </p:par>
@@ -9015,13 +9115,13 @@
 
 <file path=ppt/tags/tag1.xml><?xml version="1.0" encoding="utf-8"?>
 <p:tagLst xmlns:a="http://schemas.openxmlformats.org/drawingml/2006/main" xmlns:r="http://schemas.openxmlformats.org/officeDocument/2006/relationships" xmlns:p="http://schemas.openxmlformats.org/presentationml/2006/main">
-  <p:tag name="TIMING" val="|7.1|5.3"/>
+  <p:tag name="TIMING" val="|7|3.8"/>
 </p:tagLst>
 </file>
 
 <file path=ppt/tags/tag2.xml><?xml version="1.0" encoding="utf-8"?>
 <p:tagLst xmlns:a="http://schemas.openxmlformats.org/drawingml/2006/main" xmlns:r="http://schemas.openxmlformats.org/officeDocument/2006/relationships" xmlns:p="http://schemas.openxmlformats.org/presentationml/2006/main">
-  <p:tag name="TIMING" val="|2.4|17.6|15.7"/>
+  <p:tag name="TIMING" val="|3.6|5.4|4.1|0.8|1.2|5.2|0.9|6.5"/>
 </p:tagLst>
 </file>
 
